--- a/For_paper/SystemModel_update.pptx
+++ b/For_paper/SystemModel_update.pptx
@@ -243,7 +243,7 @@
           <a:p>
             <a:fld id="{D9EEF076-5A5E-47FD-AACD-14A7E672754C}" type="datetimeFigureOut">
               <a:rPr kumimoji="1" lang="ja-JP" altLang="en-US" smtClean="0"/>
-              <a:t>2016/3/20</a:t>
+              <a:t>2016/6/1</a:t>
             </a:fld>
             <a:endParaRPr kumimoji="1" lang="ja-JP" altLang="en-US"/>
           </a:p>
@@ -445,7 +445,7 @@
           <a:p>
             <a:fld id="{D9EEF076-5A5E-47FD-AACD-14A7E672754C}" type="datetimeFigureOut">
               <a:rPr kumimoji="1" lang="ja-JP" altLang="en-US" smtClean="0"/>
-              <a:t>2016/3/20</a:t>
+              <a:t>2016/6/1</a:t>
             </a:fld>
             <a:endParaRPr kumimoji="1" lang="ja-JP" altLang="en-US"/>
           </a:p>
@@ -657,7 +657,7 @@
           <a:p>
             <a:fld id="{D9EEF076-5A5E-47FD-AACD-14A7E672754C}" type="datetimeFigureOut">
               <a:rPr kumimoji="1" lang="ja-JP" altLang="en-US" smtClean="0"/>
-              <a:t>2016/3/20</a:t>
+              <a:t>2016/6/1</a:t>
             </a:fld>
             <a:endParaRPr kumimoji="1" lang="ja-JP" altLang="en-US"/>
           </a:p>
@@ -859,7 +859,7 @@
           <a:p>
             <a:fld id="{D9EEF076-5A5E-47FD-AACD-14A7E672754C}" type="datetimeFigureOut">
               <a:rPr kumimoji="1" lang="ja-JP" altLang="en-US" smtClean="0"/>
-              <a:t>2016/3/20</a:t>
+              <a:t>2016/6/1</a:t>
             </a:fld>
             <a:endParaRPr kumimoji="1" lang="ja-JP" altLang="en-US"/>
           </a:p>
@@ -1105,7 +1105,7 @@
           <a:p>
             <a:fld id="{D9EEF076-5A5E-47FD-AACD-14A7E672754C}" type="datetimeFigureOut">
               <a:rPr kumimoji="1" lang="ja-JP" altLang="en-US" smtClean="0"/>
-              <a:t>2016/3/20</a:t>
+              <a:t>2016/6/1</a:t>
             </a:fld>
             <a:endParaRPr kumimoji="1" lang="ja-JP" altLang="en-US"/>
           </a:p>
@@ -1401,7 +1401,7 @@
           <a:p>
             <a:fld id="{D9EEF076-5A5E-47FD-AACD-14A7E672754C}" type="datetimeFigureOut">
               <a:rPr kumimoji="1" lang="ja-JP" altLang="en-US" smtClean="0"/>
-              <a:t>2016/3/20</a:t>
+              <a:t>2016/6/1</a:t>
             </a:fld>
             <a:endParaRPr kumimoji="1" lang="ja-JP" altLang="en-US"/>
           </a:p>
@@ -1832,7 +1832,7 @@
           <a:p>
             <a:fld id="{D9EEF076-5A5E-47FD-AACD-14A7E672754C}" type="datetimeFigureOut">
               <a:rPr kumimoji="1" lang="ja-JP" altLang="en-US" smtClean="0"/>
-              <a:t>2016/3/20</a:t>
+              <a:t>2016/6/1</a:t>
             </a:fld>
             <a:endParaRPr kumimoji="1" lang="ja-JP" altLang="en-US"/>
           </a:p>
@@ -1950,7 +1950,7 @@
           <a:p>
             <a:fld id="{D9EEF076-5A5E-47FD-AACD-14A7E672754C}" type="datetimeFigureOut">
               <a:rPr kumimoji="1" lang="ja-JP" altLang="en-US" smtClean="0"/>
-              <a:t>2016/3/20</a:t>
+              <a:t>2016/6/1</a:t>
             </a:fld>
             <a:endParaRPr kumimoji="1" lang="ja-JP" altLang="en-US"/>
           </a:p>
@@ -2045,7 +2045,7 @@
           <a:p>
             <a:fld id="{D9EEF076-5A5E-47FD-AACD-14A7E672754C}" type="datetimeFigureOut">
               <a:rPr kumimoji="1" lang="ja-JP" altLang="en-US" smtClean="0"/>
-              <a:t>2016/3/20</a:t>
+              <a:t>2016/6/1</a:t>
             </a:fld>
             <a:endParaRPr kumimoji="1" lang="ja-JP" altLang="en-US"/>
           </a:p>
@@ -2354,7 +2354,7 @@
           <a:p>
             <a:fld id="{D9EEF076-5A5E-47FD-AACD-14A7E672754C}" type="datetimeFigureOut">
               <a:rPr kumimoji="1" lang="ja-JP" altLang="en-US" smtClean="0"/>
-              <a:t>2016/3/20</a:t>
+              <a:t>2016/6/1</a:t>
             </a:fld>
             <a:endParaRPr kumimoji="1" lang="ja-JP" altLang="en-US"/>
           </a:p>
@@ -2611,7 +2611,7 @@
           <a:p>
             <a:fld id="{D9EEF076-5A5E-47FD-AACD-14A7E672754C}" type="datetimeFigureOut">
               <a:rPr kumimoji="1" lang="ja-JP" altLang="en-US" smtClean="0"/>
-              <a:t>2016/3/20</a:t>
+              <a:t>2016/6/1</a:t>
             </a:fld>
             <a:endParaRPr kumimoji="1" lang="ja-JP" altLang="en-US"/>
           </a:p>
@@ -2856,7 +2856,7 @@
           <a:p>
             <a:fld id="{D9EEF076-5A5E-47FD-AACD-14A7E672754C}" type="datetimeFigureOut">
               <a:rPr kumimoji="1" lang="ja-JP" altLang="en-US" smtClean="0"/>
-              <a:t>2016/3/20</a:t>
+              <a:t>2016/6/1</a:t>
             </a:fld>
             <a:endParaRPr kumimoji="1" lang="ja-JP" altLang="en-US"/>
           </a:p>
@@ -4082,8 +4082,8 @@
         </p:nvSpPr>
         <p:spPr>
           <a:xfrm>
-            <a:off x="10261213" y="3043360"/>
-            <a:ext cx="1792562" cy="400110"/>
+            <a:off x="10164417" y="3043360"/>
+            <a:ext cx="1889358" cy="400110"/>
           </a:xfrm>
           <a:prstGeom prst="rect">
             <a:avLst/>
@@ -4099,18 +4099,18 @@
           <a:lstStyle/>
           <a:p>
             <a:r>
-              <a:rPr lang="en-US" altLang="ja-JP" sz="2000" dirty="0" err="1">
-                <a:latin typeface="メイリオ" panose="020B0604030504040204" pitchFamily="50" charset="-128"/>
-                <a:ea typeface="メイリオ" panose="020B0604030504040204" pitchFamily="50" charset="-128"/>
-              </a:rPr>
-              <a:t>Taget</a:t>
+              <a:rPr lang="en-US" altLang="ja-JP" sz="2000" dirty="0" smtClean="0">
+                <a:latin typeface="メイリオ" panose="020B0604030504040204" pitchFamily="50" charset="-128"/>
+                <a:ea typeface="メイリオ" panose="020B0604030504040204" pitchFamily="50" charset="-128"/>
+              </a:rPr>
+              <a:t>Target </a:t>
             </a:r>
             <a:r>
               <a:rPr lang="en-US" altLang="ja-JP" sz="2000" dirty="0">
                 <a:latin typeface="メイリオ" panose="020B0604030504040204" pitchFamily="50" charset="-128"/>
                 <a:ea typeface="メイリオ" panose="020B0604030504040204" pitchFamily="50" charset="-128"/>
               </a:rPr>
-              <a:t> Device</a:t>
+              <a:t>Device</a:t>
             </a:r>
             <a:endParaRPr lang="ja-JP" altLang="en-US" sz="1200" dirty="0">
               <a:latin typeface="メイリオ" panose="020B0604030504040204" pitchFamily="50" charset="-128"/>
@@ -4135,7 +4135,7 @@
           </a:prstGeom>
           <a:solidFill>
             <a:schemeClr val="bg1">
-              <a:lumMod val="50000"/>
+              <a:lumMod val="75000"/>
             </a:schemeClr>
           </a:solidFill>
           <a:ln>
@@ -5042,7 +5042,7 @@
           </a:prstGeom>
           <a:solidFill>
             <a:schemeClr val="bg1">
-              <a:lumMod val="50000"/>
+              <a:lumMod val="75000"/>
             </a:schemeClr>
           </a:solidFill>
         </p:spPr>
@@ -5248,7 +5248,7 @@
           </a:prstGeom>
           <a:solidFill>
             <a:schemeClr val="bg1">
-              <a:lumMod val="50000"/>
+              <a:lumMod val="75000"/>
             </a:schemeClr>
           </a:solidFill>
         </p:spPr>
@@ -5389,7 +5389,7 @@
           </a:prstGeom>
           <a:solidFill>
             <a:schemeClr val="bg1">
-              <a:lumMod val="50000"/>
+              <a:lumMod val="75000"/>
             </a:schemeClr>
           </a:solidFill>
         </p:spPr>
@@ -5447,7 +5447,7 @@
           </a:prstGeom>
           <a:solidFill>
             <a:schemeClr val="bg1">
-              <a:lumMod val="50000"/>
+              <a:lumMod val="75000"/>
             </a:schemeClr>
           </a:solidFill>
           <a:ln w="9525" cap="flat" cmpd="sng" algn="ctr">
@@ -5672,11 +5672,11 @@
           <a:p>
             <a:pPr algn="ctr"/>
             <a:r>
-              <a:rPr kumimoji="1" lang="en-US" altLang="ja-JP" b="1" dirty="0" smtClean="0">
-                <a:latin typeface="メイリオ" panose="020B0604030504040204" pitchFamily="50" charset="-128"/>
-                <a:ea typeface="メイリオ" panose="020B0604030504040204" pitchFamily="50" charset="-128"/>
-              </a:rPr>
-              <a:t>3.1</a:t>
+              <a:rPr lang="en-US" altLang="ja-JP" b="1" dirty="0" smtClean="0">
+                <a:latin typeface="メイリオ" panose="020B0604030504040204" pitchFamily="50" charset="-128"/>
+                <a:ea typeface="メイリオ" panose="020B0604030504040204" pitchFamily="50" charset="-128"/>
+              </a:rPr>
+              <a:t>Ⅲ-A</a:t>
             </a:r>
             <a:endParaRPr kumimoji="1" lang="ja-JP" altLang="en-US" b="1" dirty="0">
               <a:latin typeface="メイリオ" panose="020B0604030504040204" pitchFamily="50" charset="-128"/>
@@ -5733,11 +5733,11 @@
           <a:p>
             <a:pPr algn="ctr"/>
             <a:r>
-              <a:rPr kumimoji="1" lang="en-US" altLang="ja-JP" b="1" dirty="0" smtClean="0">
-                <a:latin typeface="メイリオ" panose="020B0604030504040204" pitchFamily="50" charset="-128"/>
-                <a:ea typeface="メイリオ" panose="020B0604030504040204" pitchFamily="50" charset="-128"/>
-              </a:rPr>
-              <a:t>3.2</a:t>
+              <a:rPr lang="en-US" altLang="ja-JP" b="1" dirty="0" smtClean="0">
+                <a:latin typeface="メイリオ" panose="020B0604030504040204" pitchFamily="50" charset="-128"/>
+                <a:ea typeface="メイリオ" panose="020B0604030504040204" pitchFamily="50" charset="-128"/>
+              </a:rPr>
+              <a:t>Ⅲ-B</a:t>
             </a:r>
             <a:endParaRPr kumimoji="1" lang="ja-JP" altLang="en-US" b="1" dirty="0">
               <a:latin typeface="メイリオ" panose="020B0604030504040204" pitchFamily="50" charset="-128"/>
@@ -5798,7 +5798,7 @@
                 <a:latin typeface="メイリオ" panose="020B0604030504040204" pitchFamily="50" charset="-128"/>
                 <a:ea typeface="メイリオ" panose="020B0604030504040204" pitchFamily="50" charset="-128"/>
               </a:rPr>
-              <a:t>3.3</a:t>
+              <a:t>Ⅲ-C</a:t>
             </a:r>
             <a:endParaRPr kumimoji="1" lang="ja-JP" altLang="en-US" b="1" dirty="0">
               <a:latin typeface="メイリオ" panose="020B0604030504040204" pitchFamily="50" charset="-128"/>
